--- a/Presentación decanatura TECNOLOGÍA ELÉCTRICA EN GENERACIÓN Y GESTIÓN EFICIENTE DE ENERGÍAS RENOVABLES.pptx
+++ b/Presentación decanatura TECNOLOGÍA ELÉCTRICA EN GENERACIÓN Y GESTIÓN EFICIENTE DE ENERGÍAS RENOVABLES.pptx
@@ -18304,7 +18304,7 @@
                 <a:cs typeface="Times New Roman"/>
                 <a:sym typeface="Times New Roman"/>
               </a:rPr>
-              <a:t>Ciclo de Formación: Técnico (51 Créditos ≈ 85%)</a:t>
+              <a:t>Ciclo de Formación: Técnico (53 Créditos ≈ 85%)</a:t>
             </a:r>
             <a:endParaRPr sz="1400" b="0" i="0" u="none" strike="noStrike" cap="none" dirty="0">
               <a:solidFill>
@@ -18388,7 +18388,7 @@
                 <a:cs typeface="Times New Roman"/>
                 <a:sym typeface="Times New Roman"/>
               </a:rPr>
-              <a:t>81</a:t>
+              <a:t>83</a:t>
             </a:r>
             <a:r>
               <a:rPr lang="es" sz="1800" b="0" i="0" u="none" strike="noStrike" cap="none" dirty="0">
@@ -18412,7 +18412,7 @@
                 <a:cs typeface="Times New Roman"/>
                 <a:sym typeface="Times New Roman"/>
               </a:rPr>
-              <a:t>50</a:t>
+              <a:t>51</a:t>
             </a:r>
             <a:r>
               <a:rPr lang="es" sz="1800" b="0" i="0" u="none" strike="noStrike" cap="none" dirty="0">
@@ -18507,10 +18507,10 @@
       </p:sp>
       <p:pic>
         <p:nvPicPr>
-          <p:cNvPr id="4" name="Imagen 3">
+          <p:cNvPr id="7" name="Imagen 6">
             <a:extLst>
               <a:ext uri="{FF2B5EF4-FFF2-40B4-BE49-F238E27FC236}">
-                <a16:creationId xmlns:a16="http://schemas.microsoft.com/office/drawing/2014/main" id="{300CD767-61AC-88DF-E0BC-14BE303FDF74}"/>
+                <a16:creationId xmlns:a16="http://schemas.microsoft.com/office/drawing/2014/main" id="{15846F7B-DA45-04EB-4475-80BE2B4C3BAE}"/>
               </a:ext>
             </a:extLst>
           </p:cNvPr>
@@ -18527,8 +18527,8 @@
         </p:blipFill>
         <p:spPr>
           <a:xfrm>
-            <a:off x="578518" y="518885"/>
-            <a:ext cx="5437653" cy="4483585"/>
+            <a:off x="277352" y="465946"/>
+            <a:ext cx="5642988" cy="4580014"/>
           </a:xfrm>
           <a:prstGeom prst="rect">
             <a:avLst/>
